--- a/GetAJob/포폴편집/포폴영상_띄울텍스트와이미지.pptx
+++ b/GetAJob/포폴편집/포폴영상_띄울텍스트와이미지.pptx
@@ -8,7 +8,8 @@
     <p:sldId id="256" r:id="rId2"/>
     <p:sldId id="257" r:id="rId3"/>
     <p:sldId id="258" r:id="rId4"/>
-    <p:sldId id="259" r:id="rId5"/>
+    <p:sldId id="260" r:id="rId5"/>
+    <p:sldId id="259" r:id="rId6"/>
   </p:sldIdLst>
   <p:sldSz cx="12192000" cy="6858000"/>
   <p:notesSz cx="6858000" cy="9144000"/>
@@ -157,10 +158,9 @@
           </a:lstStyle>
           <a:p>
             <a:r>
-              <a:rPr lang="ko-KR" altLang="en-US" smtClean="0"/>
+              <a:rPr lang="ko-KR" altLang="en-US"/>
               <a:t>마스터 제목 스타일 편집</a:t>
             </a:r>
-            <a:endParaRPr lang="ko-KR" altLang="en-US"/>
           </a:p>
         </p:txBody>
       </p:sp>
@@ -222,10 +222,9 @@
           </a:lstStyle>
           <a:p>
             <a:r>
-              <a:rPr lang="ko-KR" altLang="en-US" smtClean="0"/>
+              <a:rPr lang="ko-KR" altLang="en-US"/>
               <a:t>클릭하여 마스터 부제목 스타일 편집</a:t>
             </a:r>
-            <a:endParaRPr lang="ko-KR" altLang="en-US"/>
           </a:p>
         </p:txBody>
       </p:sp>
@@ -340,10 +339,9 @@
           <a:lstStyle/>
           <a:p>
             <a:r>
-              <a:rPr lang="ko-KR" altLang="en-US" smtClean="0"/>
+              <a:rPr lang="ko-KR" altLang="en-US"/>
               <a:t>마스터 제목 스타일 편집</a:t>
             </a:r>
-            <a:endParaRPr lang="ko-KR" altLang="en-US"/>
           </a:p>
         </p:txBody>
       </p:sp>
@@ -364,38 +362,37 @@
           <a:p>
             <a:pPr lvl="0"/>
             <a:r>
-              <a:rPr lang="ko-KR" altLang="en-US" smtClean="0"/>
+              <a:rPr lang="ko-KR" altLang="en-US"/>
               <a:t>마스터 텍스트 스타일 편집</a:t>
             </a:r>
           </a:p>
           <a:p>
             <a:pPr lvl="1"/>
             <a:r>
-              <a:rPr lang="ko-KR" altLang="en-US" smtClean="0"/>
+              <a:rPr lang="ko-KR" altLang="en-US"/>
               <a:t>둘째 수준</a:t>
             </a:r>
           </a:p>
           <a:p>
             <a:pPr lvl="2"/>
             <a:r>
-              <a:rPr lang="ko-KR" altLang="en-US" smtClean="0"/>
+              <a:rPr lang="ko-KR" altLang="en-US"/>
               <a:t>셋째 수준</a:t>
             </a:r>
           </a:p>
           <a:p>
             <a:pPr lvl="3"/>
             <a:r>
-              <a:rPr lang="ko-KR" altLang="en-US" smtClean="0"/>
+              <a:rPr lang="ko-KR" altLang="en-US"/>
               <a:t>넷째 수준</a:t>
             </a:r>
           </a:p>
           <a:p>
             <a:pPr lvl="4"/>
             <a:r>
-              <a:rPr lang="ko-KR" altLang="en-US" smtClean="0"/>
+              <a:rPr lang="ko-KR" altLang="en-US"/>
               <a:t>다섯째 수준</a:t>
             </a:r>
-            <a:endParaRPr lang="ko-KR" altLang="en-US"/>
           </a:p>
         </p:txBody>
       </p:sp>
@@ -515,10 +512,9 @@
           <a:lstStyle/>
           <a:p>
             <a:r>
-              <a:rPr lang="ko-KR" altLang="en-US" smtClean="0"/>
+              <a:rPr lang="ko-KR" altLang="en-US"/>
               <a:t>마스터 제목 스타일 편집</a:t>
             </a:r>
-            <a:endParaRPr lang="ko-KR" altLang="en-US"/>
           </a:p>
         </p:txBody>
       </p:sp>
@@ -544,38 +540,37 @@
           <a:p>
             <a:pPr lvl="0"/>
             <a:r>
-              <a:rPr lang="ko-KR" altLang="en-US" smtClean="0"/>
+              <a:rPr lang="ko-KR" altLang="en-US"/>
               <a:t>마스터 텍스트 스타일 편집</a:t>
             </a:r>
           </a:p>
           <a:p>
             <a:pPr lvl="1"/>
             <a:r>
-              <a:rPr lang="ko-KR" altLang="en-US" smtClean="0"/>
+              <a:rPr lang="ko-KR" altLang="en-US"/>
               <a:t>둘째 수준</a:t>
             </a:r>
           </a:p>
           <a:p>
             <a:pPr lvl="2"/>
             <a:r>
-              <a:rPr lang="ko-KR" altLang="en-US" smtClean="0"/>
+              <a:rPr lang="ko-KR" altLang="en-US"/>
               <a:t>셋째 수준</a:t>
             </a:r>
           </a:p>
           <a:p>
             <a:pPr lvl="3"/>
             <a:r>
-              <a:rPr lang="ko-KR" altLang="en-US" smtClean="0"/>
+              <a:rPr lang="ko-KR" altLang="en-US"/>
               <a:t>넷째 수준</a:t>
             </a:r>
           </a:p>
           <a:p>
             <a:pPr lvl="4"/>
             <a:r>
-              <a:rPr lang="ko-KR" altLang="en-US" smtClean="0"/>
+              <a:rPr lang="ko-KR" altLang="en-US"/>
               <a:t>다섯째 수준</a:t>
             </a:r>
-            <a:endParaRPr lang="ko-KR" altLang="en-US"/>
           </a:p>
         </p:txBody>
       </p:sp>
@@ -690,10 +685,9 @@
           <a:lstStyle/>
           <a:p>
             <a:r>
-              <a:rPr lang="ko-KR" altLang="en-US" smtClean="0"/>
+              <a:rPr lang="ko-KR" altLang="en-US"/>
               <a:t>마스터 제목 스타일 편집</a:t>
             </a:r>
-            <a:endParaRPr lang="ko-KR" altLang="en-US"/>
           </a:p>
         </p:txBody>
       </p:sp>
@@ -714,38 +708,37 @@
           <a:p>
             <a:pPr lvl="0"/>
             <a:r>
-              <a:rPr lang="ko-KR" altLang="en-US" smtClean="0"/>
+              <a:rPr lang="ko-KR" altLang="en-US"/>
               <a:t>마스터 텍스트 스타일 편집</a:t>
             </a:r>
           </a:p>
           <a:p>
             <a:pPr lvl="1"/>
             <a:r>
-              <a:rPr lang="ko-KR" altLang="en-US" smtClean="0"/>
+              <a:rPr lang="ko-KR" altLang="en-US"/>
               <a:t>둘째 수준</a:t>
             </a:r>
           </a:p>
           <a:p>
             <a:pPr lvl="2"/>
             <a:r>
-              <a:rPr lang="ko-KR" altLang="en-US" smtClean="0"/>
+              <a:rPr lang="ko-KR" altLang="en-US"/>
               <a:t>셋째 수준</a:t>
             </a:r>
           </a:p>
           <a:p>
             <a:pPr lvl="3"/>
             <a:r>
-              <a:rPr lang="ko-KR" altLang="en-US" smtClean="0"/>
+              <a:rPr lang="ko-KR" altLang="en-US"/>
               <a:t>넷째 수준</a:t>
             </a:r>
           </a:p>
           <a:p>
             <a:pPr lvl="4"/>
             <a:r>
-              <a:rPr lang="ko-KR" altLang="en-US" smtClean="0"/>
+              <a:rPr lang="ko-KR" altLang="en-US"/>
               <a:t>다섯째 수준</a:t>
             </a:r>
-            <a:endParaRPr lang="ko-KR" altLang="en-US"/>
           </a:p>
         </p:txBody>
       </p:sp>
@@ -869,10 +862,9 @@
           </a:lstStyle>
           <a:p>
             <a:r>
-              <a:rPr lang="ko-KR" altLang="en-US" smtClean="0"/>
+              <a:rPr lang="ko-KR" altLang="en-US"/>
               <a:t>마스터 제목 스타일 편집</a:t>
             </a:r>
-            <a:endParaRPr lang="ko-KR" altLang="en-US"/>
           </a:p>
         </p:txBody>
       </p:sp>
@@ -989,7 +981,7 @@
           <a:p>
             <a:pPr lvl="0"/>
             <a:r>
-              <a:rPr lang="ko-KR" altLang="en-US" smtClean="0"/>
+              <a:rPr lang="ko-KR" altLang="en-US"/>
               <a:t>마스터 텍스트 스타일 편집</a:t>
             </a:r>
           </a:p>
@@ -1106,10 +1098,9 @@
           <a:lstStyle/>
           <a:p>
             <a:r>
-              <a:rPr lang="ko-KR" altLang="en-US" smtClean="0"/>
+              <a:rPr lang="ko-KR" altLang="en-US"/>
               <a:t>마스터 제목 스타일 편집</a:t>
             </a:r>
-            <a:endParaRPr lang="ko-KR" altLang="en-US"/>
           </a:p>
         </p:txBody>
       </p:sp>
@@ -1135,38 +1126,37 @@
           <a:p>
             <a:pPr lvl="0"/>
             <a:r>
-              <a:rPr lang="ko-KR" altLang="en-US" smtClean="0"/>
+              <a:rPr lang="ko-KR" altLang="en-US"/>
               <a:t>마스터 텍스트 스타일 편집</a:t>
             </a:r>
           </a:p>
           <a:p>
             <a:pPr lvl="1"/>
             <a:r>
-              <a:rPr lang="ko-KR" altLang="en-US" smtClean="0"/>
+              <a:rPr lang="ko-KR" altLang="en-US"/>
               <a:t>둘째 수준</a:t>
             </a:r>
           </a:p>
           <a:p>
             <a:pPr lvl="2"/>
             <a:r>
-              <a:rPr lang="ko-KR" altLang="en-US" smtClean="0"/>
+              <a:rPr lang="ko-KR" altLang="en-US"/>
               <a:t>셋째 수준</a:t>
             </a:r>
           </a:p>
           <a:p>
             <a:pPr lvl="3"/>
             <a:r>
-              <a:rPr lang="ko-KR" altLang="en-US" smtClean="0"/>
+              <a:rPr lang="ko-KR" altLang="en-US"/>
               <a:t>넷째 수준</a:t>
             </a:r>
           </a:p>
           <a:p>
             <a:pPr lvl="4"/>
             <a:r>
-              <a:rPr lang="ko-KR" altLang="en-US" smtClean="0"/>
+              <a:rPr lang="ko-KR" altLang="en-US"/>
               <a:t>다섯째 수준</a:t>
             </a:r>
-            <a:endParaRPr lang="ko-KR" altLang="en-US"/>
           </a:p>
         </p:txBody>
       </p:sp>
@@ -1192,38 +1182,37 @@
           <a:p>
             <a:pPr lvl="0"/>
             <a:r>
-              <a:rPr lang="ko-KR" altLang="en-US" smtClean="0"/>
+              <a:rPr lang="ko-KR" altLang="en-US"/>
               <a:t>마스터 텍스트 스타일 편집</a:t>
             </a:r>
           </a:p>
           <a:p>
             <a:pPr lvl="1"/>
             <a:r>
-              <a:rPr lang="ko-KR" altLang="en-US" smtClean="0"/>
+              <a:rPr lang="ko-KR" altLang="en-US"/>
               <a:t>둘째 수준</a:t>
             </a:r>
           </a:p>
           <a:p>
             <a:pPr lvl="2"/>
             <a:r>
-              <a:rPr lang="ko-KR" altLang="en-US" smtClean="0"/>
+              <a:rPr lang="ko-KR" altLang="en-US"/>
               <a:t>셋째 수준</a:t>
             </a:r>
           </a:p>
           <a:p>
             <a:pPr lvl="3"/>
             <a:r>
-              <a:rPr lang="ko-KR" altLang="en-US" smtClean="0"/>
+              <a:rPr lang="ko-KR" altLang="en-US"/>
               <a:t>넷째 수준</a:t>
             </a:r>
           </a:p>
           <a:p>
             <a:pPr lvl="4"/>
             <a:r>
-              <a:rPr lang="ko-KR" altLang="en-US" smtClean="0"/>
+              <a:rPr lang="ko-KR" altLang="en-US"/>
               <a:t>다섯째 수준</a:t>
             </a:r>
-            <a:endParaRPr lang="ko-KR" altLang="en-US"/>
           </a:p>
         </p:txBody>
       </p:sp>
@@ -1343,10 +1332,9 @@
           <a:lstStyle/>
           <a:p>
             <a:r>
-              <a:rPr lang="ko-KR" altLang="en-US" smtClean="0"/>
+              <a:rPr lang="ko-KR" altLang="en-US"/>
               <a:t>마스터 제목 스타일 편집</a:t>
             </a:r>
-            <a:endParaRPr lang="ko-KR" altLang="en-US"/>
           </a:p>
         </p:txBody>
       </p:sp>
@@ -1409,7 +1397,7 @@
           <a:p>
             <a:pPr lvl="0"/>
             <a:r>
-              <a:rPr lang="ko-KR" altLang="en-US" smtClean="0"/>
+              <a:rPr lang="ko-KR" altLang="en-US"/>
               <a:t>마스터 텍스트 스타일 편집</a:t>
             </a:r>
           </a:p>
@@ -1437,38 +1425,37 @@
           <a:p>
             <a:pPr lvl="0"/>
             <a:r>
-              <a:rPr lang="ko-KR" altLang="en-US" smtClean="0"/>
+              <a:rPr lang="ko-KR" altLang="en-US"/>
               <a:t>마스터 텍스트 스타일 편집</a:t>
             </a:r>
           </a:p>
           <a:p>
             <a:pPr lvl="1"/>
             <a:r>
-              <a:rPr lang="ko-KR" altLang="en-US" smtClean="0"/>
+              <a:rPr lang="ko-KR" altLang="en-US"/>
               <a:t>둘째 수준</a:t>
             </a:r>
           </a:p>
           <a:p>
             <a:pPr lvl="2"/>
             <a:r>
-              <a:rPr lang="ko-KR" altLang="en-US" smtClean="0"/>
+              <a:rPr lang="ko-KR" altLang="en-US"/>
               <a:t>셋째 수준</a:t>
             </a:r>
           </a:p>
           <a:p>
             <a:pPr lvl="3"/>
             <a:r>
-              <a:rPr lang="ko-KR" altLang="en-US" smtClean="0"/>
+              <a:rPr lang="ko-KR" altLang="en-US"/>
               <a:t>넷째 수준</a:t>
             </a:r>
           </a:p>
           <a:p>
             <a:pPr lvl="4"/>
             <a:r>
-              <a:rPr lang="ko-KR" altLang="en-US" smtClean="0"/>
+              <a:rPr lang="ko-KR" altLang="en-US"/>
               <a:t>다섯째 수준</a:t>
             </a:r>
-            <a:endParaRPr lang="ko-KR" altLang="en-US"/>
           </a:p>
         </p:txBody>
       </p:sp>
@@ -1531,7 +1518,7 @@
           <a:p>
             <a:pPr lvl="0"/>
             <a:r>
-              <a:rPr lang="ko-KR" altLang="en-US" smtClean="0"/>
+              <a:rPr lang="ko-KR" altLang="en-US"/>
               <a:t>마스터 텍스트 스타일 편집</a:t>
             </a:r>
           </a:p>
@@ -1559,38 +1546,37 @@
           <a:p>
             <a:pPr lvl="0"/>
             <a:r>
-              <a:rPr lang="ko-KR" altLang="en-US" smtClean="0"/>
+              <a:rPr lang="ko-KR" altLang="en-US"/>
               <a:t>마스터 텍스트 스타일 편집</a:t>
             </a:r>
           </a:p>
           <a:p>
             <a:pPr lvl="1"/>
             <a:r>
-              <a:rPr lang="ko-KR" altLang="en-US" smtClean="0"/>
+              <a:rPr lang="ko-KR" altLang="en-US"/>
               <a:t>둘째 수준</a:t>
             </a:r>
           </a:p>
           <a:p>
             <a:pPr lvl="2"/>
             <a:r>
-              <a:rPr lang="ko-KR" altLang="en-US" smtClean="0"/>
+              <a:rPr lang="ko-KR" altLang="en-US"/>
               <a:t>셋째 수준</a:t>
             </a:r>
           </a:p>
           <a:p>
             <a:pPr lvl="3"/>
             <a:r>
-              <a:rPr lang="ko-KR" altLang="en-US" smtClean="0"/>
+              <a:rPr lang="ko-KR" altLang="en-US"/>
               <a:t>넷째 수준</a:t>
             </a:r>
           </a:p>
           <a:p>
             <a:pPr lvl="4"/>
             <a:r>
-              <a:rPr lang="ko-KR" altLang="en-US" smtClean="0"/>
+              <a:rPr lang="ko-KR" altLang="en-US"/>
               <a:t>다섯째 수준</a:t>
             </a:r>
-            <a:endParaRPr lang="ko-KR" altLang="en-US"/>
           </a:p>
         </p:txBody>
       </p:sp>
@@ -1705,10 +1691,9 @@
           <a:lstStyle/>
           <a:p>
             <a:r>
-              <a:rPr lang="ko-KR" altLang="en-US" smtClean="0"/>
+              <a:rPr lang="ko-KR" altLang="en-US"/>
               <a:t>마스터 제목 스타일 편집</a:t>
             </a:r>
-            <a:endParaRPr lang="ko-KR" altLang="en-US"/>
           </a:p>
         </p:txBody>
       </p:sp>
@@ -1927,10 +1912,9 @@
           </a:lstStyle>
           <a:p>
             <a:r>
-              <a:rPr lang="ko-KR" altLang="en-US" smtClean="0"/>
+              <a:rPr lang="ko-KR" altLang="en-US"/>
               <a:t>마스터 제목 스타일 편집</a:t>
             </a:r>
-            <a:endParaRPr lang="ko-KR" altLang="en-US"/>
           </a:p>
         </p:txBody>
       </p:sp>
@@ -1984,38 +1968,37 @@
           <a:p>
             <a:pPr lvl="0"/>
             <a:r>
-              <a:rPr lang="ko-KR" altLang="en-US" smtClean="0"/>
+              <a:rPr lang="ko-KR" altLang="en-US"/>
               <a:t>마스터 텍스트 스타일 편집</a:t>
             </a:r>
           </a:p>
           <a:p>
             <a:pPr lvl="1"/>
             <a:r>
-              <a:rPr lang="ko-KR" altLang="en-US" smtClean="0"/>
+              <a:rPr lang="ko-KR" altLang="en-US"/>
               <a:t>둘째 수준</a:t>
             </a:r>
           </a:p>
           <a:p>
             <a:pPr lvl="2"/>
             <a:r>
-              <a:rPr lang="ko-KR" altLang="en-US" smtClean="0"/>
+              <a:rPr lang="ko-KR" altLang="en-US"/>
               <a:t>셋째 수준</a:t>
             </a:r>
           </a:p>
           <a:p>
             <a:pPr lvl="3"/>
             <a:r>
-              <a:rPr lang="ko-KR" altLang="en-US" smtClean="0"/>
+              <a:rPr lang="ko-KR" altLang="en-US"/>
               <a:t>넷째 수준</a:t>
             </a:r>
           </a:p>
           <a:p>
             <a:pPr lvl="4"/>
             <a:r>
-              <a:rPr lang="ko-KR" altLang="en-US" smtClean="0"/>
+              <a:rPr lang="ko-KR" altLang="en-US"/>
               <a:t>다섯째 수준</a:t>
             </a:r>
-            <a:endParaRPr lang="ko-KR" altLang="en-US"/>
           </a:p>
         </p:txBody>
       </p:sp>
@@ -2078,7 +2061,7 @@
           <a:p>
             <a:pPr lvl="0"/>
             <a:r>
-              <a:rPr lang="ko-KR" altLang="en-US" smtClean="0"/>
+              <a:rPr lang="ko-KR" altLang="en-US"/>
               <a:t>마스터 텍스트 스타일 편집</a:t>
             </a:r>
           </a:p>
@@ -2204,10 +2187,9 @@
           </a:lstStyle>
           <a:p>
             <a:r>
-              <a:rPr lang="ko-KR" altLang="en-US" smtClean="0"/>
+              <a:rPr lang="ko-KR" altLang="en-US"/>
               <a:t>마스터 제목 스타일 편집</a:t>
             </a:r>
-            <a:endParaRPr lang="ko-KR" altLang="en-US"/>
           </a:p>
         </p:txBody>
       </p:sp>
@@ -2331,7 +2313,7 @@
           <a:p>
             <a:pPr lvl="0"/>
             <a:r>
-              <a:rPr lang="ko-KR" altLang="en-US" smtClean="0"/>
+              <a:rPr lang="ko-KR" altLang="en-US"/>
               <a:t>마스터 텍스트 스타일 편집</a:t>
             </a:r>
           </a:p>
@@ -2463,10 +2445,9 @@
           <a:lstStyle/>
           <a:p>
             <a:r>
-              <a:rPr lang="ko-KR" altLang="en-US" smtClean="0"/>
+              <a:rPr lang="ko-KR" altLang="en-US"/>
               <a:t>마스터 제목 스타일 편집</a:t>
             </a:r>
-            <a:endParaRPr lang="ko-KR" altLang="en-US"/>
           </a:p>
         </p:txBody>
       </p:sp>
@@ -2497,38 +2478,37 @@
           <a:p>
             <a:pPr lvl="0"/>
             <a:r>
-              <a:rPr lang="ko-KR" altLang="en-US" smtClean="0"/>
+              <a:rPr lang="ko-KR" altLang="en-US"/>
               <a:t>마스터 텍스트 스타일 편집</a:t>
             </a:r>
           </a:p>
           <a:p>
             <a:pPr lvl="1"/>
             <a:r>
-              <a:rPr lang="ko-KR" altLang="en-US" smtClean="0"/>
+              <a:rPr lang="ko-KR" altLang="en-US"/>
               <a:t>둘째 수준</a:t>
             </a:r>
           </a:p>
           <a:p>
             <a:pPr lvl="2"/>
             <a:r>
-              <a:rPr lang="ko-KR" altLang="en-US" smtClean="0"/>
+              <a:rPr lang="ko-KR" altLang="en-US"/>
               <a:t>셋째 수준</a:t>
             </a:r>
           </a:p>
           <a:p>
             <a:pPr lvl="3"/>
             <a:r>
-              <a:rPr lang="ko-KR" altLang="en-US" smtClean="0"/>
+              <a:rPr lang="ko-KR" altLang="en-US"/>
               <a:t>넷째 수준</a:t>
             </a:r>
           </a:p>
           <a:p>
             <a:pPr lvl="4"/>
             <a:r>
-              <a:rPr lang="ko-KR" altLang="en-US" smtClean="0"/>
+              <a:rPr lang="ko-KR" altLang="en-US"/>
               <a:t>다섯째 수준</a:t>
             </a:r>
-            <a:endParaRPr lang="ko-KR" altLang="en-US"/>
           </a:p>
         </p:txBody>
       </p:sp>
@@ -3068,30 +3048,12 @@
           <a:lstStyle/>
           <a:p>
             <a:r>
-              <a:rPr lang="ko-KR" altLang="en-US" dirty="0" smtClean="0">
-                <a:latin typeface="Noto Sans KR" panose="020B0200000000000000" pitchFamily="50" charset="-127"/>
-                <a:ea typeface="Noto Sans KR" panose="020B0200000000000000" pitchFamily="50" charset="-127"/>
-              </a:rPr>
-              <a:t>포물선 운동 공식을 </a:t>
-            </a:r>
-            <a:r>
               <a:rPr lang="ko-KR" altLang="en-US" dirty="0">
                 <a:latin typeface="Noto Sans KR" panose="020B0200000000000000" pitchFamily="50" charset="-127"/>
                 <a:ea typeface="Noto Sans KR" panose="020B0200000000000000" pitchFamily="50" charset="-127"/>
               </a:rPr>
-              <a:t>활</a:t>
-            </a:r>
-            <a:r>
-              <a:rPr lang="ko-KR" altLang="en-US" dirty="0" smtClean="0">
-                <a:latin typeface="Noto Sans KR" panose="020B0200000000000000" pitchFamily="50" charset="-127"/>
-                <a:ea typeface="Noto Sans KR" panose="020B0200000000000000" pitchFamily="50" charset="-127"/>
-              </a:rPr>
-              <a:t>용하여 캐릭터의 수류탄 투척에 적용 </a:t>
-            </a:r>
-            <a:endParaRPr lang="ko-KR" altLang="en-US" dirty="0">
-              <a:latin typeface="Noto Sans KR" panose="020B0200000000000000" pitchFamily="50" charset="-127"/>
-              <a:ea typeface="Noto Sans KR" panose="020B0200000000000000" pitchFamily="50" charset="-127"/>
-            </a:endParaRPr>
+              <a:t>포물선 운동 공식을 활용하여 캐릭터의 수류탄 투척에 적용 </a:t>
+            </a:r>
           </a:p>
         </p:txBody>
       </p:sp>
@@ -3201,13 +3163,13 @@
               </a:lnSpc>
             </a:pPr>
             <a:r>
-              <a:rPr lang="ko-KR" altLang="en-US" dirty="0" smtClean="0">
+              <a:rPr lang="ko-KR" altLang="en-US" dirty="0">
                 <a:latin typeface="Noto Sans KR" panose="020B0200000000000000" pitchFamily="50" charset="-127"/>
                 <a:ea typeface="Noto Sans KR" panose="020B0200000000000000" pitchFamily="50" charset="-127"/>
               </a:rPr>
               <a:t>물체를 던진 위치를 기준으로 포물선 운동 공식을 적용</a:t>
             </a:r>
-            <a:endParaRPr lang="en-US" altLang="ko-KR" dirty="0" smtClean="0">
+            <a:endParaRPr lang="en-US" altLang="ko-KR" dirty="0">
               <a:latin typeface="Noto Sans KR" panose="020B0200000000000000" pitchFamily="50" charset="-127"/>
               <a:ea typeface="Noto Sans KR" panose="020B0200000000000000" pitchFamily="50" charset="-127"/>
             </a:endParaRPr>
@@ -3219,27 +3181,27 @@
               </a:lnSpc>
             </a:pPr>
             <a:r>
-              <a:rPr lang="ko-KR" altLang="en-US" dirty="0" smtClean="0">
+              <a:rPr lang="ko-KR" altLang="en-US" dirty="0">
                 <a:latin typeface="Noto Sans KR" panose="020B0200000000000000" pitchFamily="50" charset="-127"/>
                 <a:ea typeface="Noto Sans KR" panose="020B0200000000000000" pitchFamily="50" charset="-127"/>
               </a:rPr>
               <a:t>구해진 평면 좌표를 </a:t>
             </a:r>
             <a:r>
-              <a:rPr lang="en-US" altLang="ko-KR" dirty="0" smtClean="0">
+              <a:rPr lang="en-US" altLang="ko-KR" dirty="0">
                 <a:latin typeface="Noto Sans KR" panose="020B0200000000000000" pitchFamily="50" charset="-127"/>
                 <a:ea typeface="Noto Sans KR" panose="020B0200000000000000" pitchFamily="50" charset="-127"/>
               </a:rPr>
               <a:t>3D </a:t>
             </a:r>
             <a:r>
-              <a:rPr lang="ko-KR" altLang="en-US" dirty="0" smtClean="0">
+              <a:rPr lang="ko-KR" altLang="en-US" dirty="0">
                 <a:latin typeface="Noto Sans KR" panose="020B0200000000000000" pitchFamily="50" charset="-127"/>
                 <a:ea typeface="Noto Sans KR" panose="020B0200000000000000" pitchFamily="50" charset="-127"/>
               </a:rPr>
               <a:t>공간상의 좌표로 변환</a:t>
             </a:r>
-            <a:endParaRPr lang="en-US" altLang="ko-KR" dirty="0" smtClean="0">
+            <a:endParaRPr lang="en-US" altLang="ko-KR" dirty="0">
               <a:latin typeface="Noto Sans KR" panose="020B0200000000000000" pitchFamily="50" charset="-127"/>
               <a:ea typeface="Noto Sans KR" panose="020B0200000000000000" pitchFamily="50" charset="-127"/>
             </a:endParaRPr>
@@ -3262,21 +3224,21 @@
               </a:lnSpc>
             </a:pPr>
             <a:r>
-              <a:rPr lang="en-US" altLang="ko-KR" dirty="0" smtClean="0">
+              <a:rPr lang="en-US" altLang="ko-KR" dirty="0">
                 <a:latin typeface="Noto Sans KR" panose="020B0200000000000000" pitchFamily="50" charset="-127"/>
                 <a:ea typeface="Noto Sans KR" panose="020B0200000000000000" pitchFamily="50" charset="-127"/>
               </a:rPr>
               <a:t>X</a:t>
             </a:r>
             <a:r>
-              <a:rPr lang="ko-KR" altLang="en-US" dirty="0" smtClean="0">
+              <a:rPr lang="ko-KR" altLang="en-US" dirty="0">
                 <a:latin typeface="Noto Sans KR" panose="020B0200000000000000" pitchFamily="50" charset="-127"/>
                 <a:ea typeface="Noto Sans KR" panose="020B0200000000000000" pitchFamily="50" charset="-127"/>
               </a:rPr>
               <a:t>축 위치는 현재 물체가 나아가는 방향</a:t>
             </a:r>
             <a:r>
-              <a:rPr lang="en-US" altLang="ko-KR" dirty="0" smtClean="0">
+              <a:rPr lang="en-US" altLang="ko-KR" dirty="0">
                 <a:latin typeface="Noto Sans KR" panose="020B0200000000000000" pitchFamily="50" charset="-127"/>
                 <a:ea typeface="Noto Sans KR" panose="020B0200000000000000" pitchFamily="50" charset="-127"/>
               </a:rPr>
@@ -3290,23 +3252,19 @@
               </a:lnSpc>
             </a:pPr>
             <a:r>
-              <a:rPr lang="en-US" altLang="ko-KR" dirty="0" smtClean="0">
+              <a:rPr lang="en-US" altLang="ko-KR" dirty="0">
                 <a:latin typeface="Noto Sans KR" panose="020B0200000000000000" pitchFamily="50" charset="-127"/>
                 <a:ea typeface="Noto Sans KR" panose="020B0200000000000000" pitchFamily="50" charset="-127"/>
               </a:rPr>
               <a:t>Y</a:t>
             </a:r>
             <a:r>
-              <a:rPr lang="ko-KR" altLang="en-US" dirty="0" smtClean="0">
+              <a:rPr lang="ko-KR" altLang="en-US" dirty="0">
                 <a:latin typeface="Noto Sans KR" panose="020B0200000000000000" pitchFamily="50" charset="-127"/>
                 <a:ea typeface="Noto Sans KR" panose="020B0200000000000000" pitchFamily="50" charset="-127"/>
               </a:rPr>
               <a:t>축 위치는 월드 좌표계의 위쪽 방향을 반영</a:t>
             </a:r>
-            <a:endParaRPr lang="ko-KR" altLang="en-US" dirty="0">
-              <a:latin typeface="Noto Sans KR" panose="020B0200000000000000" pitchFamily="50" charset="-127"/>
-              <a:ea typeface="Noto Sans KR" panose="020B0200000000000000" pitchFamily="50" charset="-127"/>
-            </a:endParaRPr>
           </a:p>
         </p:txBody>
       </p:sp>
@@ -3430,8 +3388,8 @@
         </p:nvSpPr>
         <p:spPr>
           <a:xfrm>
-            <a:off x="1440491" y="5075069"/>
-            <a:ext cx="9056320" cy="1615827"/>
+            <a:off x="987631" y="4987387"/>
+            <a:ext cx="9989510" cy="1615827"/>
           </a:xfrm>
           <a:prstGeom prst="rect">
             <a:avLst/>
@@ -3452,18 +3410,11 @@
               <a:buChar char="•"/>
             </a:pPr>
             <a:r>
-              <a:rPr lang="en-US" altLang="ko-KR" dirty="0" smtClean="0">
-                <a:latin typeface="Noto Sans KR" panose="020B0200000000000000" pitchFamily="50" charset="-127"/>
-                <a:ea typeface="Noto Sans KR" panose="020B0200000000000000" pitchFamily="50" charset="-127"/>
-              </a:rPr>
-              <a:t>Google </a:t>
-            </a:r>
-            <a:r>
               <a:rPr lang="en-US" altLang="ko-KR" dirty="0">
                 <a:latin typeface="Noto Sans KR" panose="020B0200000000000000" pitchFamily="50" charset="-127"/>
                 <a:ea typeface="Noto Sans KR" panose="020B0200000000000000" pitchFamily="50" charset="-127"/>
               </a:rPr>
-              <a:t>Spread Sheet</a:t>
+              <a:t>Google Spread Sheet</a:t>
             </a:r>
             <a:r>
               <a:rPr lang="ko-KR" altLang="en-US" dirty="0">
@@ -3494,25 +3445,11 @@
               <a:t>, </a:t>
             </a:r>
             <a:r>
-              <a:rPr lang="ko-KR" altLang="en-US" dirty="0" err="1">
-                <a:latin typeface="Noto Sans KR" panose="020B0200000000000000" pitchFamily="50" charset="-127"/>
-                <a:ea typeface="Noto Sans KR" panose="020B0200000000000000" pitchFamily="50" charset="-127"/>
-              </a:rPr>
-              <a:t>스탯</a:t>
-            </a:r>
-            <a:r>
               <a:rPr lang="ko-KR" altLang="en-US" dirty="0">
                 <a:latin typeface="Noto Sans KR" panose="020B0200000000000000" pitchFamily="50" charset="-127"/>
                 <a:ea typeface="Noto Sans KR" panose="020B0200000000000000" pitchFamily="50" charset="-127"/>
               </a:rPr>
-              <a:t> 정보 </a:t>
-            </a:r>
-            <a:r>
-              <a:rPr lang="ko-KR" altLang="en-US" dirty="0" smtClean="0">
-                <a:latin typeface="Noto Sans KR" panose="020B0200000000000000" pitchFamily="50" charset="-127"/>
-                <a:ea typeface="Noto Sans KR" panose="020B0200000000000000" pitchFamily="50" charset="-127"/>
-              </a:rPr>
-              <a:t>등 수치 데이터를 기록 및 관리</a:t>
+              <a:t>스탯 정보 등 수치 데이터를 기록 및 관리</a:t>
             </a:r>
             <a:endParaRPr lang="en-US" altLang="ko-KR" dirty="0">
               <a:latin typeface="Noto Sans KR" panose="020B0200000000000000" pitchFamily="50" charset="-127"/>
@@ -3539,35 +3476,7 @@
                 <a:latin typeface="Noto Sans KR" panose="020B0200000000000000" pitchFamily="50" charset="-127"/>
                 <a:ea typeface="Noto Sans KR" panose="020B0200000000000000" pitchFamily="50" charset="-127"/>
               </a:rPr>
-              <a:t>파일로 변환된 데이터를 정규표현식을 사용하여 </a:t>
-            </a:r>
-            <a:r>
-              <a:rPr lang="ko-KR" altLang="en-US" dirty="0" err="1">
-                <a:latin typeface="Noto Sans KR" panose="020B0200000000000000" pitchFamily="50" charset="-127"/>
-                <a:ea typeface="Noto Sans KR" panose="020B0200000000000000" pitchFamily="50" charset="-127"/>
-              </a:rPr>
-              <a:t>파싱하여</a:t>
-            </a:r>
-            <a:r>
-              <a:rPr lang="ko-KR" altLang="en-US" dirty="0">
-                <a:latin typeface="Noto Sans KR" panose="020B0200000000000000" pitchFamily="50" charset="-127"/>
-                <a:ea typeface="Noto Sans KR" panose="020B0200000000000000" pitchFamily="50" charset="-127"/>
-              </a:rPr>
-              <a:t> </a:t>
-            </a:r>
-            <a:r>
-              <a:rPr lang="ko-KR" altLang="en-US" dirty="0" err="1" smtClean="0">
-                <a:latin typeface="Noto Sans KR" panose="020B0200000000000000" pitchFamily="50" charset="-127"/>
-                <a:ea typeface="Noto Sans KR" panose="020B0200000000000000" pitchFamily="50" charset="-127"/>
-              </a:rPr>
-              <a:t>딕셔너리에</a:t>
-            </a:r>
-            <a:r>
-              <a:rPr lang="ko-KR" altLang="en-US" dirty="0" smtClean="0">
-                <a:latin typeface="Noto Sans KR" panose="020B0200000000000000" pitchFamily="50" charset="-127"/>
-                <a:ea typeface="Noto Sans KR" panose="020B0200000000000000" pitchFamily="50" charset="-127"/>
-              </a:rPr>
-              <a:t> 저장</a:t>
+              <a:t>파일로 변환된 데이터를 정규표현식을 사용하여 파싱하여 딕셔너리에 저장</a:t>
             </a:r>
             <a:endParaRPr lang="en-US" altLang="ko-KR" dirty="0">
               <a:latin typeface="Noto Sans KR" panose="020B0200000000000000" pitchFamily="50" charset="-127"/>
@@ -3587,51 +3496,30 @@
                 <a:latin typeface="Noto Sans KR" panose="020B0200000000000000" pitchFamily="50" charset="-127"/>
                 <a:ea typeface="Noto Sans KR" panose="020B0200000000000000" pitchFamily="50" charset="-127"/>
               </a:rPr>
-              <a:t>t</a:t>
-            </a:r>
-            <a:r>
-              <a:rPr lang="en-US" altLang="ko-KR" dirty="0" smtClean="0">
-                <a:latin typeface="Noto Sans KR" panose="020B0200000000000000" pitchFamily="50" charset="-127"/>
-                <a:ea typeface="Noto Sans KR" panose="020B0200000000000000" pitchFamily="50" charset="-127"/>
-              </a:rPr>
-              <a:t>ag</a:t>
-            </a:r>
-            <a:r>
-              <a:rPr lang="ko-KR" altLang="en-US" dirty="0" smtClean="0">
-                <a:latin typeface="Noto Sans KR" panose="020B0200000000000000" pitchFamily="50" charset="-127"/>
-                <a:ea typeface="Noto Sans KR" panose="020B0200000000000000" pitchFamily="50" charset="-127"/>
-              </a:rPr>
-              <a:t>에 해당되는 열을 </a:t>
-            </a:r>
-            <a:r>
-              <a:rPr lang="ko-KR" altLang="en-US" dirty="0" err="1" smtClean="0">
-                <a:latin typeface="Noto Sans KR" panose="020B0200000000000000" pitchFamily="50" charset="-127"/>
-                <a:ea typeface="Noto Sans KR" panose="020B0200000000000000" pitchFamily="50" charset="-127"/>
-              </a:rPr>
-              <a:t>딕셔너리의</a:t>
-            </a:r>
-            <a:r>
-              <a:rPr lang="ko-KR" altLang="en-US" dirty="0" smtClean="0">
-                <a:latin typeface="Noto Sans KR" panose="020B0200000000000000" pitchFamily="50" charset="-127"/>
-                <a:ea typeface="Noto Sans KR" panose="020B0200000000000000" pitchFamily="50" charset="-127"/>
-              </a:rPr>
-              <a:t> 키로 지정</a:t>
-            </a:r>
-            <a:r>
-              <a:rPr lang="en-US" altLang="ko-KR" dirty="0" smtClean="0">
+              <a:t>tag</a:t>
+            </a:r>
+            <a:r>
+              <a:rPr lang="ko-KR" altLang="en-US" dirty="0">
+                <a:latin typeface="Noto Sans KR" panose="020B0200000000000000" pitchFamily="50" charset="-127"/>
+                <a:ea typeface="Noto Sans KR" panose="020B0200000000000000" pitchFamily="50" charset="-127"/>
+              </a:rPr>
+              <a:t>에 해당되는 열을 딕셔너리의 키로 지정</a:t>
+            </a:r>
+            <a:r>
+              <a:rPr lang="en-US" altLang="ko-KR" dirty="0">
                 <a:latin typeface="Noto Sans KR" panose="020B0200000000000000" pitchFamily="50" charset="-127"/>
                 <a:ea typeface="Noto Sans KR" panose="020B0200000000000000" pitchFamily="50" charset="-127"/>
               </a:rPr>
               <a:t>, </a:t>
             </a:r>
             <a:r>
-              <a:rPr lang="ko-KR" altLang="en-US" dirty="0" smtClean="0">
+              <a:rPr lang="ko-KR" altLang="en-US" dirty="0">
                 <a:latin typeface="Noto Sans KR" panose="020B0200000000000000" pitchFamily="50" charset="-127"/>
                 <a:ea typeface="Noto Sans KR" panose="020B0200000000000000" pitchFamily="50" charset="-127"/>
               </a:rPr>
               <a:t>해당 키를 접근하여 게임 내 여러 요소에 적용</a:t>
             </a:r>
-            <a:endParaRPr lang="en-US" altLang="ko-KR" dirty="0" smtClean="0">
+            <a:endParaRPr lang="en-US" altLang="ko-KR" dirty="0">
               <a:latin typeface="Noto Sans KR" panose="020B0200000000000000" pitchFamily="50" charset="-127"/>
               <a:ea typeface="Noto Sans KR" panose="020B0200000000000000" pitchFamily="50" charset="-127"/>
             </a:endParaRPr>
@@ -3641,7 +3529,7 @@
               <a:buFont typeface="Arial" panose="020B0604020202020204" pitchFamily="34" charset="0"/>
               <a:buChar char="•"/>
             </a:pPr>
-            <a:endParaRPr lang="en-US" altLang="ko-KR" dirty="0" smtClean="0">
+            <a:endParaRPr lang="en-US" altLang="ko-KR" dirty="0">
               <a:latin typeface="Noto Sans KR" panose="020B0200000000000000" pitchFamily="50" charset="-127"/>
               <a:ea typeface="Noto Sans KR" panose="020B0200000000000000" pitchFamily="50" charset="-127"/>
             </a:endParaRPr>
@@ -3708,6 +3596,397 @@
 </file>
 
 <file path=ppt/slides/slide4.xml><?xml version="1.0" encoding="utf-8"?>
+<p:sld xmlns:a="http://schemas.openxmlformats.org/drawingml/2006/main" xmlns:r="http://schemas.openxmlformats.org/officeDocument/2006/relationships" xmlns:p="http://schemas.openxmlformats.org/presentationml/2006/main">
+  <p:cSld>
+    <p:spTree>
+      <p:nvGrpSpPr>
+        <p:cNvPr id="1" name=""/>
+        <p:cNvGrpSpPr/>
+        <p:nvPr/>
+      </p:nvGrpSpPr>
+      <p:grpSpPr>
+        <a:xfrm>
+          <a:off x="0" y="0"/>
+          <a:ext cx="0" cy="0"/>
+          <a:chOff x="0" y="0"/>
+          <a:chExt cx="0" cy="0"/>
+        </a:xfrm>
+      </p:grpSpPr>
+      <p:sp>
+        <p:nvSpPr>
+          <p:cNvPr id="5" name="TextBox 4">
+            <a:extLst>
+              <a:ext uri="{FF2B5EF4-FFF2-40B4-BE49-F238E27FC236}">
+                <a16:creationId xmlns:a16="http://schemas.microsoft.com/office/drawing/2014/main" id="{89669FA5-77D2-C944-2B57-69B664FAD719}"/>
+              </a:ext>
+            </a:extLst>
+          </p:cNvPr>
+          <p:cNvSpPr txBox="1"/>
+          <p:nvPr/>
+        </p:nvSpPr>
+        <p:spPr>
+          <a:xfrm>
+            <a:off x="1116583" y="1728372"/>
+            <a:ext cx="10454093" cy="2585323"/>
+          </a:xfrm>
+          <a:prstGeom prst="rect">
+            <a:avLst/>
+          </a:prstGeom>
+          <a:noFill/>
+        </p:spPr>
+        <p:txBody>
+          <a:bodyPr wrap="square" rtlCol="0">
+            <a:spAutoFit/>
+          </a:bodyPr>
+          <a:lstStyle/>
+          <a:p>
+            <a:pPr marL="285750" indent="-285750">
+              <a:buFont typeface="Arial" panose="020B0604020202020204" pitchFamily="34" charset="0"/>
+              <a:buChar char="•"/>
+            </a:pPr>
+            <a:r>
+              <a:rPr lang="ko-KR" altLang="en-US" dirty="0">
+                <a:latin typeface="Noto Sans KR" panose="020B0200000000000000" pitchFamily="50" charset="-127"/>
+                <a:ea typeface="Noto Sans KR" panose="020B0200000000000000" pitchFamily="50" charset="-127"/>
+              </a:rPr>
+              <a:t>문제점</a:t>
+            </a:r>
+            <a:r>
+              <a:rPr lang="en-US" altLang="ko-KR" dirty="0">
+                <a:latin typeface="Noto Sans KR" panose="020B0200000000000000" pitchFamily="50" charset="-127"/>
+                <a:ea typeface="Noto Sans KR" panose="020B0200000000000000" pitchFamily="50" charset="-127"/>
+              </a:rPr>
+              <a:t>: </a:t>
+            </a:r>
+            <a:r>
+              <a:rPr lang="ko-KR" altLang="en-US" dirty="0" err="1">
+                <a:latin typeface="Noto Sans KR" panose="020B0200000000000000" pitchFamily="50" charset="-127"/>
+                <a:ea typeface="Noto Sans KR" panose="020B0200000000000000" pitchFamily="50" charset="-127"/>
+              </a:rPr>
+              <a:t>유니</a:t>
+            </a:r>
+            <a:r>
+              <a:rPr lang="ko-KR" altLang="en-US" dirty="0">
+                <a:latin typeface="Noto Sans KR" panose="020B0200000000000000" pitchFamily="50" charset="-127"/>
+                <a:ea typeface="Noto Sans KR" panose="020B0200000000000000" pitchFamily="50" charset="-127"/>
+              </a:rPr>
+              <a:t> </a:t>
+            </a:r>
+            <a:r>
+              <a:rPr lang="ko-KR" altLang="en-US" dirty="0" err="1">
+                <a:latin typeface="Noto Sans KR" panose="020B0200000000000000" pitchFamily="50" charset="-127"/>
+                <a:ea typeface="Noto Sans KR" panose="020B0200000000000000" pitchFamily="50" charset="-127"/>
+              </a:rPr>
+              <a:t>텔레포트</a:t>
+            </a:r>
+            <a:r>
+              <a:rPr lang="ko-KR" altLang="en-US" dirty="0">
+                <a:latin typeface="Noto Sans KR" panose="020B0200000000000000" pitchFamily="50" charset="-127"/>
+                <a:ea typeface="Noto Sans KR" panose="020B0200000000000000" pitchFamily="50" charset="-127"/>
+              </a:rPr>
+              <a:t> 스킬이 벽 안 또는 스테이지 밖으로 </a:t>
+            </a:r>
+            <a:r>
+              <a:rPr lang="ko-KR" altLang="en-US" dirty="0" err="1">
+                <a:latin typeface="Noto Sans KR" panose="020B0200000000000000" pitchFamily="50" charset="-127"/>
+                <a:ea typeface="Noto Sans KR" panose="020B0200000000000000" pitchFamily="50" charset="-127"/>
+              </a:rPr>
+              <a:t>텔레포트하는</a:t>
+            </a:r>
+            <a:r>
+              <a:rPr lang="ko-KR" altLang="en-US" dirty="0">
+                <a:latin typeface="Noto Sans KR" panose="020B0200000000000000" pitchFamily="50" charset="-127"/>
+                <a:ea typeface="Noto Sans KR" panose="020B0200000000000000" pitchFamily="50" charset="-127"/>
+              </a:rPr>
+              <a:t> 문제점 발생</a:t>
+            </a:r>
+            <a:endParaRPr lang="en-US" altLang="ko-KR" dirty="0">
+              <a:latin typeface="Noto Sans KR" panose="020B0200000000000000" pitchFamily="50" charset="-127"/>
+              <a:ea typeface="Noto Sans KR" panose="020B0200000000000000" pitchFamily="50" charset="-127"/>
+            </a:endParaRPr>
+          </a:p>
+          <a:p>
+            <a:pPr marL="285750" indent="-285750">
+              <a:buFont typeface="Arial" panose="020B0604020202020204" pitchFamily="34" charset="0"/>
+              <a:buChar char="•"/>
+            </a:pPr>
+            <a:endParaRPr lang="en-US" altLang="ko-KR" dirty="0">
+              <a:latin typeface="Noto Sans KR" panose="020B0200000000000000" pitchFamily="50" charset="-127"/>
+              <a:ea typeface="Noto Sans KR" panose="020B0200000000000000" pitchFamily="50" charset="-127"/>
+            </a:endParaRPr>
+          </a:p>
+          <a:p>
+            <a:pPr marL="285750" indent="-285750">
+              <a:buFont typeface="Arial" panose="020B0604020202020204" pitchFamily="34" charset="0"/>
+              <a:buChar char="•"/>
+            </a:pPr>
+            <a:r>
+              <a:rPr lang="ko-KR" altLang="en-US" dirty="0">
+                <a:latin typeface="Noto Sans KR" panose="020B0200000000000000" pitchFamily="50" charset="-127"/>
+                <a:ea typeface="Noto Sans KR" panose="020B0200000000000000" pitchFamily="50" charset="-127"/>
+              </a:rPr>
+              <a:t>원인</a:t>
+            </a:r>
+            <a:r>
+              <a:rPr lang="en-US" altLang="ko-KR" dirty="0">
+                <a:latin typeface="Noto Sans KR" panose="020B0200000000000000" pitchFamily="50" charset="-127"/>
+                <a:ea typeface="Noto Sans KR" panose="020B0200000000000000" pitchFamily="50" charset="-127"/>
+              </a:rPr>
+              <a:t>: </a:t>
+            </a:r>
+            <a:r>
+              <a:rPr lang="ko-KR" altLang="en-US" dirty="0" err="1">
+                <a:latin typeface="Noto Sans KR" panose="020B0200000000000000" pitchFamily="50" charset="-127"/>
+                <a:ea typeface="Noto Sans KR" panose="020B0200000000000000" pitchFamily="50" charset="-127"/>
+              </a:rPr>
+              <a:t>텔레포트</a:t>
+            </a:r>
+            <a:r>
+              <a:rPr lang="ko-KR" altLang="en-US" dirty="0">
+                <a:latin typeface="Noto Sans KR" panose="020B0200000000000000" pitchFamily="50" charset="-127"/>
+                <a:ea typeface="Noto Sans KR" panose="020B0200000000000000" pitchFamily="50" charset="-127"/>
+              </a:rPr>
+              <a:t> 위치에서 일정 범위 내에 충돌체가 </a:t>
+            </a:r>
+            <a:r>
+              <a:rPr lang="ko-KR" altLang="en-US" dirty="0" err="1">
+                <a:latin typeface="Noto Sans KR" panose="020B0200000000000000" pitchFamily="50" charset="-127"/>
+                <a:ea typeface="Noto Sans KR" panose="020B0200000000000000" pitchFamily="50" charset="-127"/>
+              </a:rPr>
+              <a:t>있는지만</a:t>
+            </a:r>
+            <a:r>
+              <a:rPr lang="ko-KR" altLang="en-US" dirty="0">
+                <a:latin typeface="Noto Sans KR" panose="020B0200000000000000" pitchFamily="50" charset="-127"/>
+                <a:ea typeface="Noto Sans KR" panose="020B0200000000000000" pitchFamily="50" charset="-127"/>
+              </a:rPr>
+              <a:t> 확인</a:t>
+            </a:r>
+            <a:r>
+              <a:rPr lang="en-US" altLang="ko-KR" dirty="0">
+                <a:latin typeface="Noto Sans KR" panose="020B0200000000000000" pitchFamily="50" charset="-127"/>
+                <a:ea typeface="Noto Sans KR" panose="020B0200000000000000" pitchFamily="50" charset="-127"/>
+              </a:rPr>
+              <a:t>,</a:t>
+            </a:r>
+            <a:br>
+              <a:rPr lang="en-US" altLang="ko-KR" dirty="0">
+                <a:latin typeface="Noto Sans KR" panose="020B0200000000000000" pitchFamily="50" charset="-127"/>
+                <a:ea typeface="Noto Sans KR" panose="020B0200000000000000" pitchFamily="50" charset="-127"/>
+              </a:rPr>
+            </a:br>
+            <a:r>
+              <a:rPr lang="en-US" altLang="ko-KR" dirty="0">
+                <a:latin typeface="Noto Sans KR" panose="020B0200000000000000" pitchFamily="50" charset="-127"/>
+                <a:ea typeface="Noto Sans KR" panose="020B0200000000000000" pitchFamily="50" charset="-127"/>
+              </a:rPr>
+              <a:t>	</a:t>
+            </a:r>
+            <a:r>
+              <a:rPr lang="ko-KR" altLang="en-US" dirty="0">
+                <a:latin typeface="Noto Sans KR" panose="020B0200000000000000" pitchFamily="50" charset="-127"/>
+                <a:ea typeface="Noto Sans KR" panose="020B0200000000000000" pitchFamily="50" charset="-127"/>
+              </a:rPr>
+              <a:t>해당 충돌체가 어느 방향에 있는지 고려하지 않아 발생</a:t>
+            </a:r>
+            <a:endParaRPr lang="en-US" altLang="ko-KR" dirty="0">
+              <a:latin typeface="Noto Sans KR" panose="020B0200000000000000" pitchFamily="50" charset="-127"/>
+              <a:ea typeface="Noto Sans KR" panose="020B0200000000000000" pitchFamily="50" charset="-127"/>
+            </a:endParaRPr>
+          </a:p>
+          <a:p>
+            <a:pPr marL="285750" indent="-285750">
+              <a:buFont typeface="Arial" panose="020B0604020202020204" pitchFamily="34" charset="0"/>
+              <a:buChar char="•"/>
+            </a:pPr>
+            <a:endParaRPr lang="en-US" altLang="ko-KR" dirty="0">
+              <a:latin typeface="Noto Sans KR" panose="020B0200000000000000" pitchFamily="50" charset="-127"/>
+              <a:ea typeface="Noto Sans KR" panose="020B0200000000000000" pitchFamily="50" charset="-127"/>
+            </a:endParaRPr>
+          </a:p>
+          <a:p>
+            <a:pPr marL="285750" indent="-285750">
+              <a:buFont typeface="Arial" panose="020B0604020202020204" pitchFamily="34" charset="0"/>
+              <a:buChar char="•"/>
+            </a:pPr>
+            <a:r>
+              <a:rPr lang="ko-KR" altLang="en-US" dirty="0">
+                <a:latin typeface="Noto Sans KR" panose="020B0200000000000000" pitchFamily="50" charset="-127"/>
+                <a:ea typeface="Noto Sans KR" panose="020B0200000000000000" pitchFamily="50" charset="-127"/>
+              </a:rPr>
+              <a:t>해결</a:t>
+            </a:r>
+            <a:r>
+              <a:rPr lang="en-US" altLang="ko-KR" dirty="0">
+                <a:latin typeface="Noto Sans KR" panose="020B0200000000000000" pitchFamily="50" charset="-127"/>
+                <a:ea typeface="Noto Sans KR" panose="020B0200000000000000" pitchFamily="50" charset="-127"/>
+              </a:rPr>
+              <a:t>: </a:t>
+            </a:r>
+            <a:r>
+              <a:rPr lang="ko-KR" altLang="en-US" dirty="0" err="1">
+                <a:latin typeface="Noto Sans KR" panose="020B0200000000000000" pitchFamily="50" charset="-127"/>
+                <a:ea typeface="Noto Sans KR" panose="020B0200000000000000" pitchFamily="50" charset="-127"/>
+              </a:rPr>
+              <a:t>텔레포트</a:t>
+            </a:r>
+            <a:r>
+              <a:rPr lang="ko-KR" altLang="en-US" dirty="0">
+                <a:latin typeface="Noto Sans KR" panose="020B0200000000000000" pitchFamily="50" charset="-127"/>
+                <a:ea typeface="Noto Sans KR" panose="020B0200000000000000" pitchFamily="50" charset="-127"/>
+              </a:rPr>
+              <a:t> 위치로부터 </a:t>
+            </a:r>
+            <a:r>
+              <a:rPr lang="en-US" altLang="ko-KR" dirty="0">
+                <a:latin typeface="Noto Sans KR" panose="020B0200000000000000" pitchFamily="50" charset="-127"/>
+                <a:ea typeface="Noto Sans KR" panose="020B0200000000000000" pitchFamily="50" charset="-127"/>
+              </a:rPr>
+              <a:t>8</a:t>
+            </a:r>
+            <a:r>
+              <a:rPr lang="ko-KR" altLang="en-US" dirty="0">
+                <a:latin typeface="Noto Sans KR" panose="020B0200000000000000" pitchFamily="50" charset="-127"/>
+                <a:ea typeface="Noto Sans KR" panose="020B0200000000000000" pitchFamily="50" charset="-127"/>
+              </a:rPr>
+              <a:t>방향으로 </a:t>
+            </a:r>
+            <a:r>
+              <a:rPr lang="ko-KR" altLang="en-US" dirty="0" err="1">
+                <a:latin typeface="Noto Sans KR" panose="020B0200000000000000" pitchFamily="50" charset="-127"/>
+                <a:ea typeface="Noto Sans KR" panose="020B0200000000000000" pitchFamily="50" charset="-127"/>
+              </a:rPr>
+              <a:t>레이캐스팅을</a:t>
+            </a:r>
+            <a:r>
+              <a:rPr lang="ko-KR" altLang="en-US" dirty="0">
+                <a:latin typeface="Noto Sans KR" panose="020B0200000000000000" pitchFamily="50" charset="-127"/>
+                <a:ea typeface="Noto Sans KR" panose="020B0200000000000000" pitchFamily="50" charset="-127"/>
+              </a:rPr>
+              <a:t> 하여</a:t>
+            </a:r>
+            <a:r>
+              <a:rPr lang="en-US" altLang="ko-KR" dirty="0">
+                <a:latin typeface="Noto Sans KR" panose="020B0200000000000000" pitchFamily="50" charset="-127"/>
+                <a:ea typeface="Noto Sans KR" panose="020B0200000000000000" pitchFamily="50" charset="-127"/>
+              </a:rPr>
+              <a:t> </a:t>
+            </a:r>
+            <a:r>
+              <a:rPr lang="ko-KR" altLang="en-US" dirty="0">
+                <a:latin typeface="Noto Sans KR" panose="020B0200000000000000" pitchFamily="50" charset="-127"/>
+                <a:ea typeface="Noto Sans KR" panose="020B0200000000000000" pitchFamily="50" charset="-127"/>
+              </a:rPr>
+              <a:t>충돌체가 위치하고 있는지 먼저 확인</a:t>
+            </a:r>
+            <a:r>
+              <a:rPr lang="en-US" altLang="ko-KR" dirty="0">
+                <a:latin typeface="Noto Sans KR" panose="020B0200000000000000" pitchFamily="50" charset="-127"/>
+                <a:ea typeface="Noto Sans KR" panose="020B0200000000000000" pitchFamily="50" charset="-127"/>
+              </a:rPr>
+              <a:t>,</a:t>
+            </a:r>
+          </a:p>
+          <a:p>
+            <a:r>
+              <a:rPr lang="en-US" altLang="ko-KR" dirty="0">
+                <a:latin typeface="Noto Sans KR" panose="020B0200000000000000" pitchFamily="50" charset="-127"/>
+                <a:ea typeface="Noto Sans KR" panose="020B0200000000000000" pitchFamily="50" charset="-127"/>
+              </a:rPr>
+              <a:t>	</a:t>
+            </a:r>
+            <a:r>
+              <a:rPr lang="ko-KR" altLang="en-US" dirty="0">
+                <a:latin typeface="Noto Sans KR" panose="020B0200000000000000" pitchFamily="50" charset="-127"/>
+                <a:ea typeface="Noto Sans KR" panose="020B0200000000000000" pitchFamily="50" charset="-127"/>
+              </a:rPr>
+              <a:t>그 후 해당 위치에서 위쪽 방향으로 플레이어 </a:t>
+            </a:r>
+            <a:r>
+              <a:rPr lang="ko-KR" altLang="en-US" dirty="0" err="1">
+                <a:latin typeface="Noto Sans KR" panose="020B0200000000000000" pitchFamily="50" charset="-127"/>
+                <a:ea typeface="Noto Sans KR" panose="020B0200000000000000" pitchFamily="50" charset="-127"/>
+              </a:rPr>
+              <a:t>콜라이더</a:t>
+            </a:r>
+            <a:r>
+              <a:rPr lang="ko-KR" altLang="en-US" dirty="0">
+                <a:latin typeface="Noto Sans KR" panose="020B0200000000000000" pitchFamily="50" charset="-127"/>
+                <a:ea typeface="Noto Sans KR" panose="020B0200000000000000" pitchFamily="50" charset="-127"/>
+              </a:rPr>
+              <a:t> 너비 크기의 </a:t>
+            </a:r>
+            <a:r>
+              <a:rPr lang="en-US" altLang="ko-KR" dirty="0" err="1">
+                <a:latin typeface="Noto Sans KR" panose="020B0200000000000000" pitchFamily="50" charset="-127"/>
+                <a:ea typeface="Noto Sans KR" panose="020B0200000000000000" pitchFamily="50" charset="-127"/>
+              </a:rPr>
+              <a:t>SphereCast</a:t>
+            </a:r>
+            <a:r>
+              <a:rPr lang="ko-KR" altLang="en-US" dirty="0">
+                <a:latin typeface="Noto Sans KR" panose="020B0200000000000000" pitchFamily="50" charset="-127"/>
+                <a:ea typeface="Noto Sans KR" panose="020B0200000000000000" pitchFamily="50" charset="-127"/>
+              </a:rPr>
+              <a:t>를 하여</a:t>
+            </a:r>
+            <a:endParaRPr lang="en-US" altLang="ko-KR" dirty="0">
+              <a:latin typeface="Noto Sans KR" panose="020B0200000000000000" pitchFamily="50" charset="-127"/>
+              <a:ea typeface="Noto Sans KR" panose="020B0200000000000000" pitchFamily="50" charset="-127"/>
+            </a:endParaRPr>
+          </a:p>
+          <a:p>
+            <a:r>
+              <a:rPr lang="en-US" altLang="ko-KR" dirty="0">
+                <a:latin typeface="Noto Sans KR" panose="020B0200000000000000" pitchFamily="50" charset="-127"/>
+                <a:ea typeface="Noto Sans KR" panose="020B0200000000000000" pitchFamily="50" charset="-127"/>
+              </a:rPr>
+              <a:t>	</a:t>
+            </a:r>
+            <a:r>
+              <a:rPr lang="ko-KR" altLang="en-US" dirty="0" err="1">
+                <a:latin typeface="Noto Sans KR" panose="020B0200000000000000" pitchFamily="50" charset="-127"/>
+                <a:ea typeface="Noto Sans KR" panose="020B0200000000000000" pitchFamily="50" charset="-127"/>
+              </a:rPr>
+              <a:t>텔레포트</a:t>
+            </a:r>
+            <a:r>
+              <a:rPr lang="ko-KR" altLang="en-US" dirty="0">
+                <a:latin typeface="Noto Sans KR" panose="020B0200000000000000" pitchFamily="50" charset="-127"/>
+                <a:ea typeface="Noto Sans KR" panose="020B0200000000000000" pitchFamily="50" charset="-127"/>
+              </a:rPr>
+              <a:t> 했을 때 충돌체와 겹치게 되는지 확인</a:t>
+            </a:r>
+            <a:br>
+              <a:rPr lang="en-US" altLang="ko-KR" dirty="0">
+                <a:latin typeface="Noto Sans KR" panose="020B0200000000000000" pitchFamily="50" charset="-127"/>
+                <a:ea typeface="Noto Sans KR" panose="020B0200000000000000" pitchFamily="50" charset="-127"/>
+              </a:rPr>
+            </a:br>
+            <a:r>
+              <a:rPr lang="en-US" altLang="ko-KR" dirty="0">
+                <a:latin typeface="Noto Sans KR" panose="020B0200000000000000" pitchFamily="50" charset="-127"/>
+                <a:ea typeface="Noto Sans KR" panose="020B0200000000000000" pitchFamily="50" charset="-127"/>
+              </a:rPr>
+              <a:t>	</a:t>
+            </a:r>
+          </a:p>
+        </p:txBody>
+      </p:sp>
+    </p:spTree>
+    <p:extLst>
+      <p:ext uri="{BB962C8B-B14F-4D97-AF65-F5344CB8AC3E}">
+        <p14:creationId xmlns:p14="http://schemas.microsoft.com/office/powerpoint/2010/main" val="1025654102"/>
+      </p:ext>
+    </p:extLst>
+  </p:cSld>
+  <p:clrMapOvr>
+    <a:masterClrMapping/>
+  </p:clrMapOvr>
+</p:sld>
+</file>
+
+<file path=ppt/slides/slide5.xml><?xml version="1.0" encoding="utf-8"?>
 <p:sld xmlns:a="http://schemas.openxmlformats.org/drawingml/2006/main" xmlns:r="http://schemas.openxmlformats.org/officeDocument/2006/relationships" xmlns:p="http://schemas.openxmlformats.org/presentationml/2006/main">
   <p:cSld>
     <p:spTree>
